--- a/lectue_10/Сложные_вопросы.pptx
+++ b/lectue_10/Сложные_вопросы.pptx
@@ -255,7 +255,7 @@
             <a:fld id="{63A1C593-65D0-4073-BCC9-577B9352EA97}" type="datetimeFigureOut">
               <a:rPr lang="en-US" smtClean="0"/>
               <a:pPr/>
-              <a:t>6/26/2025</a:t>
+              <a:t>6/27/2025</a:t>
             </a:fld>
             <a:endParaRPr lang="en-US"/>
           </a:p>
@@ -307,7 +307,7 @@
     </p:spTree>
     <p:extLst>
       <p:ext uri="{BB962C8B-B14F-4D97-AF65-F5344CB8AC3E}">
-        <p14:creationId xmlns:p14="http://schemas.microsoft.com/office/powerpoint/2010/main" xmlns="" val="4001249340"/>
+        <p14:creationId xmlns="" xmlns:p14="http://schemas.microsoft.com/office/powerpoint/2010/main" val="4001249340"/>
       </p:ext>
     </p:extLst>
   </p:cSld>
@@ -427,7 +427,7 @@
             <a:fld id="{63A1C593-65D0-4073-BCC9-577B9352EA97}" type="datetimeFigureOut">
               <a:rPr lang="en-US" smtClean="0"/>
               <a:pPr/>
-              <a:t>6/26/2025</a:t>
+              <a:t>6/27/2025</a:t>
             </a:fld>
             <a:endParaRPr lang="en-US"/>
           </a:p>
@@ -479,7 +479,7 @@
     </p:spTree>
     <p:extLst>
       <p:ext uri="{BB962C8B-B14F-4D97-AF65-F5344CB8AC3E}">
-        <p14:creationId xmlns:p14="http://schemas.microsoft.com/office/powerpoint/2010/main" xmlns="" val="682560079"/>
+        <p14:creationId xmlns="" xmlns:p14="http://schemas.microsoft.com/office/powerpoint/2010/main" val="682560079"/>
       </p:ext>
     </p:extLst>
   </p:cSld>
@@ -609,7 +609,7 @@
             <a:fld id="{63A1C593-65D0-4073-BCC9-577B9352EA97}" type="datetimeFigureOut">
               <a:rPr lang="en-US" smtClean="0"/>
               <a:pPr/>
-              <a:t>6/26/2025</a:t>
+              <a:t>6/27/2025</a:t>
             </a:fld>
             <a:endParaRPr lang="en-US"/>
           </a:p>
@@ -661,7 +661,7 @@
     </p:spTree>
     <p:extLst>
       <p:ext uri="{BB962C8B-B14F-4D97-AF65-F5344CB8AC3E}">
-        <p14:creationId xmlns:p14="http://schemas.microsoft.com/office/powerpoint/2010/main" xmlns="" val="3435286789"/>
+        <p14:creationId xmlns="" xmlns:p14="http://schemas.microsoft.com/office/powerpoint/2010/main" val="3435286789"/>
       </p:ext>
     </p:extLst>
   </p:cSld>
@@ -781,7 +781,7 @@
             <a:fld id="{63A1C593-65D0-4073-BCC9-577B9352EA97}" type="datetimeFigureOut">
               <a:rPr lang="en-US" smtClean="0"/>
               <a:pPr/>
-              <a:t>6/26/2025</a:t>
+              <a:t>6/27/2025</a:t>
             </a:fld>
             <a:endParaRPr lang="en-US"/>
           </a:p>
@@ -833,7 +833,7 @@
     </p:spTree>
     <p:extLst>
       <p:ext uri="{BB962C8B-B14F-4D97-AF65-F5344CB8AC3E}">
-        <p14:creationId xmlns:p14="http://schemas.microsoft.com/office/powerpoint/2010/main" xmlns="" val="140206455"/>
+        <p14:creationId xmlns="" xmlns:p14="http://schemas.microsoft.com/office/powerpoint/2010/main" val="140206455"/>
       </p:ext>
     </p:extLst>
   </p:cSld>
@@ -1029,7 +1029,7 @@
             <a:fld id="{63A1C593-65D0-4073-BCC9-577B9352EA97}" type="datetimeFigureOut">
               <a:rPr lang="en-US" smtClean="0"/>
               <a:pPr/>
-              <a:t>6/26/2025</a:t>
+              <a:t>6/27/2025</a:t>
             </a:fld>
             <a:endParaRPr lang="en-US"/>
           </a:p>
@@ -1081,7 +1081,7 @@
     </p:spTree>
     <p:extLst>
       <p:ext uri="{BB962C8B-B14F-4D97-AF65-F5344CB8AC3E}">
-        <p14:creationId xmlns:p14="http://schemas.microsoft.com/office/powerpoint/2010/main" xmlns="" val="1965547352"/>
+        <p14:creationId xmlns="" xmlns:p14="http://schemas.microsoft.com/office/powerpoint/2010/main" val="1965547352"/>
       </p:ext>
     </p:extLst>
   </p:cSld>
@@ -1263,7 +1263,7 @@
             <a:fld id="{63A1C593-65D0-4073-BCC9-577B9352EA97}" type="datetimeFigureOut">
               <a:rPr lang="en-US" smtClean="0"/>
               <a:pPr/>
-              <a:t>6/26/2025</a:t>
+              <a:t>6/27/2025</a:t>
             </a:fld>
             <a:endParaRPr lang="en-US"/>
           </a:p>
@@ -1315,7 +1315,7 @@
     </p:spTree>
     <p:extLst>
       <p:ext uri="{BB962C8B-B14F-4D97-AF65-F5344CB8AC3E}">
-        <p14:creationId xmlns:p14="http://schemas.microsoft.com/office/powerpoint/2010/main" xmlns="" val="2375149612"/>
+        <p14:creationId xmlns="" xmlns:p14="http://schemas.microsoft.com/office/powerpoint/2010/main" val="2375149612"/>
       </p:ext>
     </p:extLst>
   </p:cSld>
@@ -1632,7 +1632,7 @@
             <a:fld id="{63A1C593-65D0-4073-BCC9-577B9352EA97}" type="datetimeFigureOut">
               <a:rPr lang="en-US" smtClean="0"/>
               <a:pPr/>
-              <a:t>6/26/2025</a:t>
+              <a:t>6/27/2025</a:t>
             </a:fld>
             <a:endParaRPr lang="en-US"/>
           </a:p>
@@ -1684,7 +1684,7 @@
     </p:spTree>
     <p:extLst>
       <p:ext uri="{BB962C8B-B14F-4D97-AF65-F5344CB8AC3E}">
-        <p14:creationId xmlns:p14="http://schemas.microsoft.com/office/powerpoint/2010/main" xmlns="" val="412943597"/>
+        <p14:creationId xmlns="" xmlns:p14="http://schemas.microsoft.com/office/powerpoint/2010/main" val="412943597"/>
       </p:ext>
     </p:extLst>
   </p:cSld>
@@ -1752,7 +1752,7 @@
             <a:fld id="{63A1C593-65D0-4073-BCC9-577B9352EA97}" type="datetimeFigureOut">
               <a:rPr lang="en-US" smtClean="0"/>
               <a:pPr/>
-              <a:t>6/26/2025</a:t>
+              <a:t>6/27/2025</a:t>
             </a:fld>
             <a:endParaRPr lang="en-US"/>
           </a:p>
@@ -1804,7 +1804,7 @@
     </p:spTree>
     <p:extLst>
       <p:ext uri="{BB962C8B-B14F-4D97-AF65-F5344CB8AC3E}">
-        <p14:creationId xmlns:p14="http://schemas.microsoft.com/office/powerpoint/2010/main" xmlns="" val="3558084423"/>
+        <p14:creationId xmlns="" xmlns:p14="http://schemas.microsoft.com/office/powerpoint/2010/main" val="3558084423"/>
       </p:ext>
     </p:extLst>
   </p:cSld>
@@ -1849,7 +1849,7 @@
             <a:fld id="{63A1C593-65D0-4073-BCC9-577B9352EA97}" type="datetimeFigureOut">
               <a:rPr lang="en-US" smtClean="0"/>
               <a:pPr/>
-              <a:t>6/26/2025</a:t>
+              <a:t>6/27/2025</a:t>
             </a:fld>
             <a:endParaRPr lang="en-US"/>
           </a:p>
@@ -1901,7 +1901,7 @@
     </p:spTree>
     <p:extLst>
       <p:ext uri="{BB962C8B-B14F-4D97-AF65-F5344CB8AC3E}">
-        <p14:creationId xmlns:p14="http://schemas.microsoft.com/office/powerpoint/2010/main" xmlns="" val="2454063194"/>
+        <p14:creationId xmlns="" xmlns:p14="http://schemas.microsoft.com/office/powerpoint/2010/main" val="2454063194"/>
       </p:ext>
     </p:extLst>
   </p:cSld>
@@ -2128,7 +2128,7 @@
             <a:fld id="{63A1C593-65D0-4073-BCC9-577B9352EA97}" type="datetimeFigureOut">
               <a:rPr lang="en-US" smtClean="0"/>
               <a:pPr/>
-              <a:t>6/26/2025</a:t>
+              <a:t>6/27/2025</a:t>
             </a:fld>
             <a:endParaRPr lang="en-US"/>
           </a:p>
@@ -2180,7 +2180,7 @@
     </p:spTree>
     <p:extLst>
       <p:ext uri="{BB962C8B-B14F-4D97-AF65-F5344CB8AC3E}">
-        <p14:creationId xmlns:p14="http://schemas.microsoft.com/office/powerpoint/2010/main" xmlns="" val="3300537932"/>
+        <p14:creationId xmlns="" xmlns:p14="http://schemas.microsoft.com/office/powerpoint/2010/main" val="3300537932"/>
       </p:ext>
     </p:extLst>
   </p:cSld>
@@ -2383,7 +2383,7 @@
             <a:fld id="{63A1C593-65D0-4073-BCC9-577B9352EA97}" type="datetimeFigureOut">
               <a:rPr lang="en-US" smtClean="0"/>
               <a:pPr/>
-              <a:t>6/26/2025</a:t>
+              <a:t>6/27/2025</a:t>
             </a:fld>
             <a:endParaRPr lang="en-US"/>
           </a:p>
@@ -2435,7 +2435,7 @@
     </p:spTree>
     <p:extLst>
       <p:ext uri="{BB962C8B-B14F-4D97-AF65-F5344CB8AC3E}">
-        <p14:creationId xmlns:p14="http://schemas.microsoft.com/office/powerpoint/2010/main" xmlns="" val="585876398"/>
+        <p14:creationId xmlns="" xmlns:p14="http://schemas.microsoft.com/office/powerpoint/2010/main" val="585876398"/>
       </p:ext>
     </p:extLst>
   </p:cSld>
@@ -2598,7 +2598,7 @@
             <a:fld id="{63A1C593-65D0-4073-BCC9-577B9352EA97}" type="datetimeFigureOut">
               <a:rPr lang="en-US" smtClean="0"/>
               <a:pPr/>
-              <a:t>6/26/2025</a:t>
+              <a:t>6/27/2025</a:t>
             </a:fld>
             <a:endParaRPr lang="en-US"/>
           </a:p>
@@ -2686,7 +2686,7 @@
     </p:spTree>
     <p:extLst>
       <p:ext uri="{BB962C8B-B14F-4D97-AF65-F5344CB8AC3E}">
-        <p14:creationId xmlns:p14="http://schemas.microsoft.com/office/powerpoint/2010/main" xmlns="" val="3597300896"/>
+        <p14:creationId xmlns="" xmlns:p14="http://schemas.microsoft.com/office/powerpoint/2010/main" val="3597300896"/>
       </p:ext>
     </p:extLst>
   </p:cSld>
@@ -3083,7 +3083,7 @@
     </p:spTree>
     <p:extLst>
       <p:ext uri="{BB962C8B-B14F-4D97-AF65-F5344CB8AC3E}">
-        <p14:creationId xmlns:p14="http://schemas.microsoft.com/office/powerpoint/2010/main" xmlns="" val="3072013332"/>
+        <p14:creationId xmlns="" xmlns:p14="http://schemas.microsoft.com/office/powerpoint/2010/main" val="3072013332"/>
       </p:ext>
     </p:extLst>
   </p:cSld>
@@ -3189,7 +3189,7 @@
     </p:spTree>
     <p:extLst>
       <p:ext uri="{BB962C8B-B14F-4D97-AF65-F5344CB8AC3E}">
-        <p14:creationId xmlns:p14="http://schemas.microsoft.com/office/powerpoint/2010/main" xmlns="" val="3072013332"/>
+        <p14:creationId xmlns="" xmlns:p14="http://schemas.microsoft.com/office/powerpoint/2010/main" val="3072013332"/>
       </p:ext>
     </p:extLst>
   </p:cSld>
@@ -3295,7 +3295,7 @@
     </p:spTree>
     <p:extLst>
       <p:ext uri="{BB962C8B-B14F-4D97-AF65-F5344CB8AC3E}">
-        <p14:creationId xmlns:p14="http://schemas.microsoft.com/office/powerpoint/2010/main" xmlns="" val="3072013332"/>
+        <p14:creationId xmlns="" xmlns:p14="http://schemas.microsoft.com/office/powerpoint/2010/main" val="3072013332"/>
       </p:ext>
     </p:extLst>
   </p:cSld>
@@ -3401,7 +3401,7 @@
     </p:spTree>
     <p:extLst>
       <p:ext uri="{BB962C8B-B14F-4D97-AF65-F5344CB8AC3E}">
-        <p14:creationId xmlns:p14="http://schemas.microsoft.com/office/powerpoint/2010/main" xmlns="" val="3072013332"/>
+        <p14:creationId xmlns="" xmlns:p14="http://schemas.microsoft.com/office/powerpoint/2010/main" val="3072013332"/>
       </p:ext>
     </p:extLst>
   </p:cSld>
@@ -3507,7 +3507,7 @@
     </p:spTree>
     <p:extLst>
       <p:ext uri="{BB962C8B-B14F-4D97-AF65-F5344CB8AC3E}">
-        <p14:creationId xmlns:p14="http://schemas.microsoft.com/office/powerpoint/2010/main" xmlns="" val="3072013332"/>
+        <p14:creationId xmlns="" xmlns:p14="http://schemas.microsoft.com/office/powerpoint/2010/main" val="3072013332"/>
       </p:ext>
     </p:extLst>
   </p:cSld>
@@ -3613,7 +3613,7 @@
     </p:spTree>
     <p:extLst>
       <p:ext uri="{BB962C8B-B14F-4D97-AF65-F5344CB8AC3E}">
-        <p14:creationId xmlns:p14="http://schemas.microsoft.com/office/powerpoint/2010/main" xmlns="" val="3072013332"/>
+        <p14:creationId xmlns="" xmlns:p14="http://schemas.microsoft.com/office/powerpoint/2010/main" val="3072013332"/>
       </p:ext>
     </p:extLst>
   </p:cSld>
@@ -3719,7 +3719,7 @@
     </p:spTree>
     <p:extLst>
       <p:ext uri="{BB962C8B-B14F-4D97-AF65-F5344CB8AC3E}">
-        <p14:creationId xmlns:p14="http://schemas.microsoft.com/office/powerpoint/2010/main" xmlns="" val="3072013332"/>
+        <p14:creationId xmlns="" xmlns:p14="http://schemas.microsoft.com/office/powerpoint/2010/main" val="3072013332"/>
       </p:ext>
     </p:extLst>
   </p:cSld>
@@ -3825,7 +3825,7 @@
     </p:spTree>
     <p:extLst>
       <p:ext uri="{BB962C8B-B14F-4D97-AF65-F5344CB8AC3E}">
-        <p14:creationId xmlns:p14="http://schemas.microsoft.com/office/powerpoint/2010/main" xmlns="" val="3072013332"/>
+        <p14:creationId xmlns="" xmlns:p14="http://schemas.microsoft.com/office/powerpoint/2010/main" val="3072013332"/>
       </p:ext>
     </p:extLst>
   </p:cSld>
@@ -3931,7 +3931,7 @@
     </p:spTree>
     <p:extLst>
       <p:ext uri="{BB962C8B-B14F-4D97-AF65-F5344CB8AC3E}">
-        <p14:creationId xmlns:p14="http://schemas.microsoft.com/office/powerpoint/2010/main" xmlns="" val="3072013332"/>
+        <p14:creationId xmlns="" xmlns:p14="http://schemas.microsoft.com/office/powerpoint/2010/main" val="3072013332"/>
       </p:ext>
     </p:extLst>
   </p:cSld>
@@ -4037,7 +4037,7 @@
     </p:spTree>
     <p:extLst>
       <p:ext uri="{BB962C8B-B14F-4D97-AF65-F5344CB8AC3E}">
-        <p14:creationId xmlns:p14="http://schemas.microsoft.com/office/powerpoint/2010/main" xmlns="" val="3072013332"/>
+        <p14:creationId xmlns="" xmlns:p14="http://schemas.microsoft.com/office/powerpoint/2010/main" val="3072013332"/>
       </p:ext>
     </p:extLst>
   </p:cSld>
@@ -4105,7 +4105,7 @@
         </p:nvSpPr>
         <p:spPr>
           <a:xfrm rot="10800000">
-            <a:off x="3686628" y="2235200"/>
+            <a:off x="3826671" y="4146378"/>
             <a:ext cx="1582057" cy="471714"/>
           </a:xfrm>
           <a:prstGeom prst="rightArrow">
@@ -4143,7 +4143,7 @@
     </p:spTree>
     <p:extLst>
       <p:ext uri="{BB962C8B-B14F-4D97-AF65-F5344CB8AC3E}">
-        <p14:creationId xmlns:p14="http://schemas.microsoft.com/office/powerpoint/2010/main" xmlns="" val="3072013332"/>
+        <p14:creationId xmlns="" xmlns:p14="http://schemas.microsoft.com/office/powerpoint/2010/main" val="3072013332"/>
       </p:ext>
     </p:extLst>
   </p:cSld>
@@ -4249,7 +4249,7 @@
     </p:spTree>
     <p:extLst>
       <p:ext uri="{BB962C8B-B14F-4D97-AF65-F5344CB8AC3E}">
-        <p14:creationId xmlns:p14="http://schemas.microsoft.com/office/powerpoint/2010/main" xmlns="" val="3072013332"/>
+        <p14:creationId xmlns="" xmlns:p14="http://schemas.microsoft.com/office/powerpoint/2010/main" val="3072013332"/>
       </p:ext>
     </p:extLst>
   </p:cSld>
@@ -4355,7 +4355,7 @@
     </p:spTree>
     <p:extLst>
       <p:ext uri="{BB962C8B-B14F-4D97-AF65-F5344CB8AC3E}">
-        <p14:creationId xmlns:p14="http://schemas.microsoft.com/office/powerpoint/2010/main" xmlns="" val="3072013332"/>
+        <p14:creationId xmlns="" xmlns:p14="http://schemas.microsoft.com/office/powerpoint/2010/main" val="3072013332"/>
       </p:ext>
     </p:extLst>
   </p:cSld>
@@ -4461,7 +4461,7 @@
     </p:spTree>
     <p:extLst>
       <p:ext uri="{BB962C8B-B14F-4D97-AF65-F5344CB8AC3E}">
-        <p14:creationId xmlns:p14="http://schemas.microsoft.com/office/powerpoint/2010/main" xmlns="" val="3072013332"/>
+        <p14:creationId xmlns="" xmlns:p14="http://schemas.microsoft.com/office/powerpoint/2010/main" val="3072013332"/>
       </p:ext>
     </p:extLst>
   </p:cSld>
@@ -4567,7 +4567,7 @@
     </p:spTree>
     <p:extLst>
       <p:ext uri="{BB962C8B-B14F-4D97-AF65-F5344CB8AC3E}">
-        <p14:creationId xmlns:p14="http://schemas.microsoft.com/office/powerpoint/2010/main" xmlns="" val="3072013332"/>
+        <p14:creationId xmlns="" xmlns:p14="http://schemas.microsoft.com/office/powerpoint/2010/main" val="3072013332"/>
       </p:ext>
     </p:extLst>
   </p:cSld>
@@ -4673,7 +4673,7 @@
     </p:spTree>
     <p:extLst>
       <p:ext uri="{BB962C8B-B14F-4D97-AF65-F5344CB8AC3E}">
-        <p14:creationId xmlns:p14="http://schemas.microsoft.com/office/powerpoint/2010/main" xmlns="" val="3072013332"/>
+        <p14:creationId xmlns="" xmlns:p14="http://schemas.microsoft.com/office/powerpoint/2010/main" val="3072013332"/>
       </p:ext>
     </p:extLst>
   </p:cSld>
@@ -4779,7 +4779,7 @@
     </p:spTree>
     <p:extLst>
       <p:ext uri="{BB962C8B-B14F-4D97-AF65-F5344CB8AC3E}">
-        <p14:creationId xmlns:p14="http://schemas.microsoft.com/office/powerpoint/2010/main" xmlns="" val="3072013332"/>
+        <p14:creationId xmlns="" xmlns:p14="http://schemas.microsoft.com/office/powerpoint/2010/main" val="3072013332"/>
       </p:ext>
     </p:extLst>
   </p:cSld>
@@ -5044,7 +5044,7 @@
   <a:extraClrSchemeLst/>
   <a:extLst>
     <a:ext uri="{05A4C25C-085E-4340-85A3-A5531E510DB2}">
-      <thm15:themeFamily xmlns:thm15="http://schemas.microsoft.com/office/thememl/2012/main" xmlns="" name="Office Theme" id="{62F939B6-93AF-4DB8-9C6B-D6C7DFDC589F}" vid="{4A3C46E8-61CC-4603-A589-7422A47A8E4A}"/>
+      <thm15:themeFamily xmlns="" xmlns:thm15="http://schemas.microsoft.com/office/thememl/2012/main" name="Office Theme" id="{62F939B6-93AF-4DB8-9C6B-D6C7DFDC589F}" vid="{4A3C46E8-61CC-4603-A589-7422A47A8E4A}"/>
     </a:ext>
   </a:extLst>
 </a:theme>
